--- a/neo4j note.pptx
+++ b/neo4j note.pptx
@@ -14,6 +14,13 @@
     <p:sldId id="262" r:id="rId8"/>
     <p:sldId id="263" r:id="rId9"/>
     <p:sldId id="264" r:id="rId10"/>
+    <p:sldId id="265" r:id="rId11"/>
+    <p:sldId id="266" r:id="rId12"/>
+    <p:sldId id="271" r:id="rId13"/>
+    <p:sldId id="267" r:id="rId14"/>
+    <p:sldId id="268" r:id="rId15"/>
+    <p:sldId id="269" r:id="rId16"/>
+    <p:sldId id="270" r:id="rId17"/>
   </p:sldIdLst>
   <p:sldSz cx="12192000" cy="6858000"/>
   <p:notesSz cx="6858000" cy="9144000"/>
@@ -112,6 +119,11 @@
       </a:defRPr>
     </a:lvl9pPr>
   </p:defaultTextStyle>
+  <p:extLst>
+    <p:ext uri="{EFAFB233-063F-42B5-8137-9DF3F51BA10A}">
+      <p15:sldGuideLst xmlns:p15="http://schemas.microsoft.com/office/powerpoint/2012/main"/>
+    </p:ext>
+  </p:extLst>
 </p:presentation>
 </file>
 
@@ -262,7 +274,7 @@
           <a:p>
             <a:fld id="{2E7DB741-5D44-3F4C-9DC7-1ACFCD14A0ED}" type="datetimeFigureOut">
               <a:rPr lang="en-US" smtClean="0"/>
-              <a:t>5/24/18</a:t>
+              <a:t>5/25/18</a:t>
             </a:fld>
             <a:endParaRPr lang="en-US"/>
           </a:p>
@@ -460,7 +472,7 @@
           <a:p>
             <a:fld id="{2E7DB741-5D44-3F4C-9DC7-1ACFCD14A0ED}" type="datetimeFigureOut">
               <a:rPr lang="en-US" smtClean="0"/>
-              <a:t>5/24/18</a:t>
+              <a:t>5/25/18</a:t>
             </a:fld>
             <a:endParaRPr lang="en-US"/>
           </a:p>
@@ -668,7 +680,7 @@
           <a:p>
             <a:fld id="{2E7DB741-5D44-3F4C-9DC7-1ACFCD14A0ED}" type="datetimeFigureOut">
               <a:rPr lang="en-US" smtClean="0"/>
-              <a:t>5/24/18</a:t>
+              <a:t>5/25/18</a:t>
             </a:fld>
             <a:endParaRPr lang="en-US"/>
           </a:p>
@@ -866,7 +878,7 @@
           <a:p>
             <a:fld id="{2E7DB741-5D44-3F4C-9DC7-1ACFCD14A0ED}" type="datetimeFigureOut">
               <a:rPr lang="en-US" smtClean="0"/>
-              <a:t>5/24/18</a:t>
+              <a:t>5/25/18</a:t>
             </a:fld>
             <a:endParaRPr lang="en-US"/>
           </a:p>
@@ -1141,7 +1153,7 @@
           <a:p>
             <a:fld id="{2E7DB741-5D44-3F4C-9DC7-1ACFCD14A0ED}" type="datetimeFigureOut">
               <a:rPr lang="en-US" smtClean="0"/>
-              <a:t>5/24/18</a:t>
+              <a:t>5/25/18</a:t>
             </a:fld>
             <a:endParaRPr lang="en-US"/>
           </a:p>
@@ -1406,7 +1418,7 @@
           <a:p>
             <a:fld id="{2E7DB741-5D44-3F4C-9DC7-1ACFCD14A0ED}" type="datetimeFigureOut">
               <a:rPr lang="en-US" smtClean="0"/>
-              <a:t>5/24/18</a:t>
+              <a:t>5/25/18</a:t>
             </a:fld>
             <a:endParaRPr lang="en-US"/>
           </a:p>
@@ -1818,7 +1830,7 @@
           <a:p>
             <a:fld id="{2E7DB741-5D44-3F4C-9DC7-1ACFCD14A0ED}" type="datetimeFigureOut">
               <a:rPr lang="en-US" smtClean="0"/>
-              <a:t>5/24/18</a:t>
+              <a:t>5/25/18</a:t>
             </a:fld>
             <a:endParaRPr lang="en-US"/>
           </a:p>
@@ -1959,7 +1971,7 @@
           <a:p>
             <a:fld id="{2E7DB741-5D44-3F4C-9DC7-1ACFCD14A0ED}" type="datetimeFigureOut">
               <a:rPr lang="en-US" smtClean="0"/>
-              <a:t>5/24/18</a:t>
+              <a:t>5/25/18</a:t>
             </a:fld>
             <a:endParaRPr lang="en-US"/>
           </a:p>
@@ -2072,7 +2084,7 @@
           <a:p>
             <a:fld id="{2E7DB741-5D44-3F4C-9DC7-1ACFCD14A0ED}" type="datetimeFigureOut">
               <a:rPr lang="en-US" smtClean="0"/>
-              <a:t>5/24/18</a:t>
+              <a:t>5/25/18</a:t>
             </a:fld>
             <a:endParaRPr lang="en-US"/>
           </a:p>
@@ -2383,7 +2395,7 @@
           <a:p>
             <a:fld id="{2E7DB741-5D44-3F4C-9DC7-1ACFCD14A0ED}" type="datetimeFigureOut">
               <a:rPr lang="en-US" smtClean="0"/>
-              <a:t>5/24/18</a:t>
+              <a:t>5/25/18</a:t>
             </a:fld>
             <a:endParaRPr lang="en-US"/>
           </a:p>
@@ -2671,7 +2683,7 @@
           <a:p>
             <a:fld id="{2E7DB741-5D44-3F4C-9DC7-1ACFCD14A0ED}" type="datetimeFigureOut">
               <a:rPr lang="en-US" smtClean="0"/>
-              <a:t>5/24/18</a:t>
+              <a:t>5/25/18</a:t>
             </a:fld>
             <a:endParaRPr lang="en-US"/>
           </a:p>
@@ -2912,7 +2924,7 @@
           <a:p>
             <a:fld id="{2E7DB741-5D44-3F4C-9DC7-1ACFCD14A0ED}" type="datetimeFigureOut">
               <a:rPr lang="en-US" smtClean="0"/>
-              <a:t>5/24/18</a:t>
+              <a:t>5/25/18</a:t>
             </a:fld>
             <a:endParaRPr lang="en-US"/>
           </a:p>
@@ -3395,6 +3407,990 @@
 </p:sld>
 </file>
 
+<file path=ppt/slides/slide10.xml><?xml version="1.0" encoding="utf-8"?>
+<p:sld xmlns:a="http://schemas.openxmlformats.org/drawingml/2006/main" xmlns:r="http://schemas.openxmlformats.org/officeDocument/2006/relationships" xmlns:p="http://schemas.openxmlformats.org/presentationml/2006/main">
+  <p:cSld>
+    <p:spTree>
+      <p:nvGrpSpPr>
+        <p:cNvPr id="1" name=""/>
+        <p:cNvGrpSpPr/>
+        <p:nvPr/>
+      </p:nvGrpSpPr>
+      <p:grpSpPr>
+        <a:xfrm>
+          <a:off x="0" y="0"/>
+          <a:ext cx="0" cy="0"/>
+          <a:chOff x="0" y="0"/>
+          <a:chExt cx="0" cy="0"/>
+        </a:xfrm>
+      </p:grpSpPr>
+      <p:sp>
+        <p:nvSpPr>
+          <p:cNvPr id="2" name="Title 1">
+            <a:extLst>
+              <a:ext uri="{FF2B5EF4-FFF2-40B4-BE49-F238E27FC236}">
+                <a16:creationId xmlns:a16="http://schemas.microsoft.com/office/drawing/2014/main" id="{6E89FFC7-E94A-8148-904F-BD6E3944ED64}"/>
+              </a:ext>
+            </a:extLst>
+          </p:cNvPr>
+          <p:cNvSpPr>
+            <a:spLocks noGrp="1"/>
+          </p:cNvSpPr>
+          <p:nvPr>
+            <p:ph type="title"/>
+          </p:nvPr>
+        </p:nvSpPr>
+        <p:spPr/>
+        <p:txBody>
+          <a:bodyPr/>
+          <a:lstStyle/>
+          <a:p>
+            <a:r>
+              <a:rPr lang="en-US" dirty="0"/>
+              <a:t>Cypher Functions</a:t>
+            </a:r>
+          </a:p>
+        </p:txBody>
+      </p:sp>
+      <p:sp>
+        <p:nvSpPr>
+          <p:cNvPr id="3" name="Content Placeholder 2">
+            <a:extLst>
+              <a:ext uri="{FF2B5EF4-FFF2-40B4-BE49-F238E27FC236}">
+                <a16:creationId xmlns:a16="http://schemas.microsoft.com/office/drawing/2014/main" id="{B8892033-D3A2-C843-BD6E-331B48EE9C4F}"/>
+              </a:ext>
+            </a:extLst>
+          </p:cNvPr>
+          <p:cNvSpPr>
+            <a:spLocks noGrp="1"/>
+          </p:cNvSpPr>
+          <p:nvPr>
+            <p:ph idx="1"/>
+          </p:nvPr>
+        </p:nvSpPr>
+        <p:spPr>
+          <a:xfrm>
+            <a:off x="838200" y="1825625"/>
+            <a:ext cx="11353800" cy="4351338"/>
+          </a:xfrm>
+        </p:spPr>
+        <p:txBody>
+          <a:bodyPr>
+            <a:normAutofit fontScale="85000" lnSpcReduction="20000"/>
+          </a:bodyPr>
+          <a:lstStyle/>
+          <a:p>
+            <a:r>
+              <a:rPr lang="en-US" dirty="0"/>
+              <a:t>Relationships()</a:t>
+            </a:r>
+          </a:p>
+          <a:p>
+            <a:pPr marL="457200" lvl="1" indent="0">
+              <a:buNone/>
+            </a:pPr>
+            <a:r>
+              <a:rPr lang="en-US" dirty="0"/>
+              <a:t>MATCH p =(</a:t>
+            </a:r>
+            <a:r>
+              <a:rPr lang="en-US" dirty="0" err="1"/>
+              <a:t>a:Movie</a:t>
+            </a:r>
+            <a:r>
+              <a:rPr lang="en-US" dirty="0"/>
+              <a:t>)--&gt;(</a:t>
+            </a:r>
+            <a:r>
+              <a:rPr lang="en-US" dirty="0" err="1"/>
+              <a:t>b:Actor</a:t>
+            </a:r>
+            <a:r>
+              <a:rPr lang="en-US" dirty="0"/>
+              <a:t>)--&gt;(</a:t>
+            </a:r>
+            <a:r>
+              <a:rPr lang="en-US" dirty="0" err="1"/>
+              <a:t>c:Role</a:t>
+            </a:r>
+            <a:r>
+              <a:rPr lang="en-US" dirty="0"/>
+              <a:t>)</a:t>
+            </a:r>
+          </a:p>
+          <a:p>
+            <a:pPr marL="457200" lvl="1" indent="0">
+              <a:buNone/>
+            </a:pPr>
+            <a:r>
+              <a:rPr lang="en-US" dirty="0"/>
+              <a:t>WHERE </a:t>
+            </a:r>
+            <a:r>
+              <a:rPr lang="en-US" dirty="0" err="1"/>
+              <a:t>a.title</a:t>
+            </a:r>
+            <a:r>
+              <a:rPr lang="en-US" dirty="0"/>
+              <a:t> = "Avengers: Infinity War" AND </a:t>
+            </a:r>
+            <a:r>
+              <a:rPr lang="en-US" dirty="0" err="1"/>
+              <a:t>c.character</a:t>
+            </a:r>
+            <a:r>
+              <a:rPr lang="en-US" dirty="0"/>
+              <a:t>= "Hulk"</a:t>
+            </a:r>
+          </a:p>
+          <a:p>
+            <a:pPr marL="457200" lvl="1" indent="0">
+              <a:buNone/>
+            </a:pPr>
+            <a:r>
+              <a:rPr lang="en-US" dirty="0"/>
+              <a:t>RETURN relationships(p)</a:t>
+            </a:r>
+          </a:p>
+          <a:p>
+            <a:pPr marL="457200" lvl="1" indent="0">
+              <a:buNone/>
+            </a:pPr>
+            <a:r>
+              <a:rPr lang="en-US" dirty="0"/>
+              <a:t>(Currently outputs blank list)</a:t>
+            </a:r>
+          </a:p>
+          <a:p>
+            <a:pPr marL="457200" lvl="1" indent="0">
+              <a:buNone/>
+            </a:pPr>
+            <a:endParaRPr lang="en-US" dirty="0"/>
+          </a:p>
+          <a:p>
+            <a:r>
+              <a:rPr lang="en-US" dirty="0" err="1"/>
+              <a:t>Shortestpath</a:t>
+            </a:r>
+            <a:r>
+              <a:rPr lang="en-US" dirty="0"/>
+              <a:t>()</a:t>
+            </a:r>
+          </a:p>
+          <a:p>
+            <a:pPr marL="0" lvl="1" indent="0">
+              <a:buNone/>
+            </a:pPr>
+            <a:r>
+              <a:rPr lang="en-US" sz="2800" dirty="0"/>
+              <a:t>      </a:t>
+            </a:r>
+            <a:r>
+              <a:rPr lang="en-US" dirty="0"/>
+              <a:t>MATCH path = </a:t>
+            </a:r>
+            <a:r>
+              <a:rPr lang="en-US" dirty="0" err="1"/>
+              <a:t>shortestpath</a:t>
+            </a:r>
+            <a:r>
+              <a:rPr lang="en-US" dirty="0"/>
+              <a:t>((</a:t>
+            </a:r>
+            <a:r>
+              <a:rPr lang="en-US" dirty="0" err="1"/>
+              <a:t>m:Movie</a:t>
+            </a:r>
+            <a:r>
+              <a:rPr lang="en-US" dirty="0"/>
+              <a:t> {title: "Avengers: Infinity War"})-[*..2]-(</a:t>
+            </a:r>
+            <a:r>
+              <a:rPr lang="en-US" dirty="0" err="1"/>
+              <a:t>r:Role</a:t>
+            </a:r>
+            <a:r>
+              <a:rPr lang="en-US" dirty="0"/>
+              <a:t> {</a:t>
+            </a:r>
+            <a:r>
+              <a:rPr lang="en-US" dirty="0" err="1"/>
+              <a:t>character:"Hulk</a:t>
+            </a:r>
+            <a:r>
+              <a:rPr lang="en-US" dirty="0"/>
+              <a:t>"})) </a:t>
+            </a:r>
+          </a:p>
+          <a:p>
+            <a:pPr marL="0" lvl="1" indent="0">
+              <a:buNone/>
+            </a:pPr>
+            <a:r>
+              <a:rPr lang="en-US" dirty="0"/>
+              <a:t>       RETURN path</a:t>
+            </a:r>
+          </a:p>
+          <a:p>
+            <a:pPr marL="457200" lvl="1" indent="0">
+              <a:buNone/>
+            </a:pPr>
+            <a:endParaRPr lang="en-US" dirty="0"/>
+          </a:p>
+          <a:p>
+            <a:r>
+              <a:rPr lang="en-US" dirty="0" err="1"/>
+              <a:t>allshortestpaths</a:t>
+            </a:r>
+            <a:r>
+              <a:rPr lang="en-US" dirty="0"/>
+              <a:t>()</a:t>
+            </a:r>
+          </a:p>
+          <a:p>
+            <a:pPr marL="0" lvl="1" indent="0">
+              <a:buNone/>
+            </a:pPr>
+            <a:r>
+              <a:rPr lang="en-US" dirty="0"/>
+              <a:t>       MATCH (</a:t>
+            </a:r>
+            <a:r>
+              <a:rPr lang="en-US" dirty="0" err="1"/>
+              <a:t>m:Movie</a:t>
+            </a:r>
+            <a:r>
+              <a:rPr lang="en-US" dirty="0"/>
+              <a:t> {title: "Normal Heart, The"}),(</a:t>
+            </a:r>
+            <a:r>
+              <a:rPr lang="en-US" dirty="0" err="1"/>
+              <a:t>r:Role</a:t>
+            </a:r>
+            <a:r>
+              <a:rPr lang="en-US" dirty="0"/>
+              <a:t> {</a:t>
+            </a:r>
+            <a:r>
+              <a:rPr lang="en-US" dirty="0" err="1"/>
+              <a:t>character:"Hulk</a:t>
+            </a:r>
+            <a:r>
+              <a:rPr lang="en-US" dirty="0"/>
+              <a:t>"})</a:t>
+            </a:r>
+          </a:p>
+          <a:p>
+            <a:pPr marL="0" lvl="1" indent="0">
+              <a:buNone/>
+            </a:pPr>
+            <a:r>
+              <a:rPr lang="en-US" dirty="0"/>
+              <a:t>       RETURN </a:t>
+            </a:r>
+            <a:r>
+              <a:rPr lang="en-US" dirty="0" err="1"/>
+              <a:t>allshortestpaths</a:t>
+            </a:r>
+            <a:r>
+              <a:rPr lang="en-US" dirty="0"/>
+              <a:t>((m)-[*..2]-(r))</a:t>
+            </a:r>
+          </a:p>
+        </p:txBody>
+      </p:sp>
+    </p:spTree>
+    <p:extLst>
+      <p:ext uri="{BB962C8B-B14F-4D97-AF65-F5344CB8AC3E}">
+        <p14:creationId xmlns:p14="http://schemas.microsoft.com/office/powerpoint/2010/main" val="3831422438"/>
+      </p:ext>
+    </p:extLst>
+  </p:cSld>
+  <p:clrMapOvr>
+    <a:masterClrMapping/>
+  </p:clrMapOvr>
+</p:sld>
+</file>
+
+<file path=ppt/slides/slide11.xml><?xml version="1.0" encoding="utf-8"?>
+<p:sld xmlns:a="http://schemas.openxmlformats.org/drawingml/2006/main" xmlns:r="http://schemas.openxmlformats.org/officeDocument/2006/relationships" xmlns:p="http://schemas.openxmlformats.org/presentationml/2006/main">
+  <p:cSld>
+    <p:spTree>
+      <p:nvGrpSpPr>
+        <p:cNvPr id="1" name=""/>
+        <p:cNvGrpSpPr/>
+        <p:nvPr/>
+      </p:nvGrpSpPr>
+      <p:grpSpPr>
+        <a:xfrm>
+          <a:off x="0" y="0"/>
+          <a:ext cx="0" cy="0"/>
+          <a:chOff x="0" y="0"/>
+          <a:chExt cx="0" cy="0"/>
+        </a:xfrm>
+      </p:grpSpPr>
+      <p:sp>
+        <p:nvSpPr>
+          <p:cNvPr id="2" name="Title 1">
+            <a:extLst>
+              <a:ext uri="{FF2B5EF4-FFF2-40B4-BE49-F238E27FC236}">
+                <a16:creationId xmlns:a16="http://schemas.microsoft.com/office/drawing/2014/main" id="{6E89FFC7-E94A-8148-904F-BD6E3944ED64}"/>
+              </a:ext>
+            </a:extLst>
+          </p:cNvPr>
+          <p:cNvSpPr>
+            <a:spLocks noGrp="1"/>
+          </p:cNvSpPr>
+          <p:nvPr>
+            <p:ph type="title"/>
+          </p:nvPr>
+        </p:nvSpPr>
+        <p:spPr/>
+        <p:txBody>
+          <a:bodyPr/>
+          <a:lstStyle/>
+          <a:p>
+            <a:r>
+              <a:rPr lang="en-US" dirty="0"/>
+              <a:t>Cypher importing CSV file</a:t>
+            </a:r>
+          </a:p>
+        </p:txBody>
+      </p:sp>
+      <p:sp>
+        <p:nvSpPr>
+          <p:cNvPr id="3" name="Content Placeholder 2">
+            <a:extLst>
+              <a:ext uri="{FF2B5EF4-FFF2-40B4-BE49-F238E27FC236}">
+                <a16:creationId xmlns:a16="http://schemas.microsoft.com/office/drawing/2014/main" id="{B8892033-D3A2-C843-BD6E-331B48EE9C4F}"/>
+              </a:ext>
+            </a:extLst>
+          </p:cNvPr>
+          <p:cNvSpPr>
+            <a:spLocks noGrp="1"/>
+          </p:cNvSpPr>
+          <p:nvPr>
+            <p:ph idx="1"/>
+          </p:nvPr>
+        </p:nvSpPr>
+        <p:spPr/>
+        <p:txBody>
+          <a:bodyPr>
+            <a:normAutofit/>
+          </a:bodyPr>
+          <a:lstStyle/>
+          <a:p>
+            <a:pPr marL="0" indent="0">
+              <a:buNone/>
+            </a:pPr>
+            <a:r>
+              <a:rPr lang="en-US" b="1" dirty="0"/>
+              <a:t>&lt;Load .csv </a:t>
+            </a:r>
+            <a:r>
+              <a:rPr lang="en-US" b="1" u="sng" dirty="0"/>
+              <a:t>without</a:t>
+            </a:r>
+            <a:r>
+              <a:rPr lang="en-US" b="1" dirty="0"/>
+              <a:t> headers on top&gt;</a:t>
+            </a:r>
+          </a:p>
+          <a:p>
+            <a:pPr marL="0" indent="0">
+              <a:buNone/>
+            </a:pPr>
+            <a:r>
+              <a:rPr lang="en-US" dirty="0"/>
+              <a:t>LOAD CSV FROM &lt;‘URL of the importing file’&gt; AS line</a:t>
+            </a:r>
+          </a:p>
+          <a:p>
+            <a:pPr marL="0" indent="0">
+              <a:buNone/>
+            </a:pPr>
+            <a:r>
+              <a:rPr lang="en-US" dirty="0"/>
+              <a:t>CREATE (:Artist { name: line[1], year: </a:t>
+            </a:r>
+            <a:r>
+              <a:rPr lang="en-US" dirty="0" err="1"/>
+              <a:t>toInteger</a:t>
+            </a:r>
+            <a:r>
+              <a:rPr lang="en-US" dirty="0"/>
+              <a:t>(line[2])})</a:t>
+            </a:r>
+          </a:p>
+          <a:p>
+            <a:pPr marL="0" indent="0">
+              <a:buNone/>
+            </a:pPr>
+            <a:endParaRPr lang="en-US" dirty="0"/>
+          </a:p>
+          <a:p>
+            <a:pPr marL="0" indent="0">
+              <a:buNone/>
+            </a:pPr>
+            <a:r>
+              <a:rPr lang="en-US" b="1" dirty="0"/>
+              <a:t>&lt;Load .csv </a:t>
+            </a:r>
+            <a:r>
+              <a:rPr lang="en-US" b="1" u="sng" dirty="0"/>
+              <a:t>with</a:t>
+            </a:r>
+            <a:r>
+              <a:rPr lang="en-US" b="1" dirty="0"/>
+              <a:t> headers on top&gt;</a:t>
+            </a:r>
+          </a:p>
+          <a:p>
+            <a:pPr marL="0" indent="0">
+              <a:buNone/>
+            </a:pPr>
+            <a:r>
+              <a:rPr lang="en-US" dirty="0"/>
+              <a:t>LOAD CSV WITH HEADERS FROM &lt;‘URL of the importing file’&gt; AS line </a:t>
+            </a:r>
+          </a:p>
+          <a:p>
+            <a:pPr marL="0" indent="0">
+              <a:buNone/>
+            </a:pPr>
+            <a:r>
+              <a:rPr lang="en-US" dirty="0"/>
+              <a:t>CREATE (:Artist { name: line.&lt;column_1_name&gt;, year: </a:t>
+            </a:r>
+            <a:r>
+              <a:rPr lang="en-US" dirty="0" err="1"/>
+              <a:t>toInteger</a:t>
+            </a:r>
+            <a:r>
+              <a:rPr lang="en-US" dirty="0"/>
+              <a:t>(line.&lt;column_2_name&gt;)})</a:t>
+            </a:r>
+          </a:p>
+        </p:txBody>
+      </p:sp>
+    </p:spTree>
+    <p:extLst>
+      <p:ext uri="{BB962C8B-B14F-4D97-AF65-F5344CB8AC3E}">
+        <p14:creationId xmlns:p14="http://schemas.microsoft.com/office/powerpoint/2010/main" val="877961143"/>
+      </p:ext>
+    </p:extLst>
+  </p:cSld>
+  <p:clrMapOvr>
+    <a:masterClrMapping/>
+  </p:clrMapOvr>
+</p:sld>
+</file>
+
+<file path=ppt/slides/slide12.xml><?xml version="1.0" encoding="utf-8"?>
+<p:sld xmlns:a="http://schemas.openxmlformats.org/drawingml/2006/main" xmlns:r="http://schemas.openxmlformats.org/officeDocument/2006/relationships" xmlns:p="http://schemas.openxmlformats.org/presentationml/2006/main">
+  <p:cSld>
+    <p:spTree>
+      <p:nvGrpSpPr>
+        <p:cNvPr id="1" name=""/>
+        <p:cNvGrpSpPr/>
+        <p:nvPr/>
+      </p:nvGrpSpPr>
+      <p:grpSpPr>
+        <a:xfrm>
+          <a:off x="0" y="0"/>
+          <a:ext cx="0" cy="0"/>
+          <a:chOff x="0" y="0"/>
+          <a:chExt cx="0" cy="0"/>
+        </a:xfrm>
+      </p:grpSpPr>
+      <p:sp>
+        <p:nvSpPr>
+          <p:cNvPr id="2" name="Title 1">
+            <a:extLst>
+              <a:ext uri="{FF2B5EF4-FFF2-40B4-BE49-F238E27FC236}">
+                <a16:creationId xmlns:a16="http://schemas.microsoft.com/office/drawing/2014/main" id="{6E89FFC7-E94A-8148-904F-BD6E3944ED64}"/>
+              </a:ext>
+            </a:extLst>
+          </p:cNvPr>
+          <p:cNvSpPr>
+            <a:spLocks noGrp="1"/>
+          </p:cNvSpPr>
+          <p:nvPr>
+            <p:ph type="title"/>
+          </p:nvPr>
+        </p:nvSpPr>
+        <p:spPr/>
+        <p:txBody>
+          <a:bodyPr/>
+          <a:lstStyle/>
+          <a:p>
+            <a:r>
+              <a:rPr lang="en-US" dirty="0"/>
+              <a:t>Cypher importing CSV file</a:t>
+            </a:r>
+          </a:p>
+        </p:txBody>
+      </p:sp>
+      <p:sp>
+        <p:nvSpPr>
+          <p:cNvPr id="3" name="Content Placeholder 2">
+            <a:extLst>
+              <a:ext uri="{FF2B5EF4-FFF2-40B4-BE49-F238E27FC236}">
+                <a16:creationId xmlns:a16="http://schemas.microsoft.com/office/drawing/2014/main" id="{B8892033-D3A2-C843-BD6E-331B48EE9C4F}"/>
+              </a:ext>
+            </a:extLst>
+          </p:cNvPr>
+          <p:cNvSpPr>
+            <a:spLocks noGrp="1"/>
+          </p:cNvSpPr>
+          <p:nvPr>
+            <p:ph idx="1"/>
+          </p:nvPr>
+        </p:nvSpPr>
+        <p:spPr/>
+        <p:txBody>
+          <a:bodyPr>
+            <a:normAutofit/>
+          </a:bodyPr>
+          <a:lstStyle/>
+          <a:p>
+            <a:pPr marL="0" indent="0">
+              <a:buNone/>
+            </a:pPr>
+            <a:r>
+              <a:rPr lang="en-US" b="1" dirty="0"/>
+              <a:t>&lt;Load .csv with field terminator&gt;</a:t>
+            </a:r>
+          </a:p>
+          <a:p>
+            <a:pPr marL="0" indent="0">
+              <a:buNone/>
+            </a:pPr>
+            <a:r>
+              <a:rPr lang="en-US" dirty="0"/>
+              <a:t>LOAD CSV FROM &lt;‘URL of the importing file’&gt; AS line FIELDTERMINATOR ';' CREATE (:Artist { name: line[1], year: </a:t>
+            </a:r>
+            <a:r>
+              <a:rPr lang="en-US" dirty="0" err="1"/>
+              <a:t>toInteger</a:t>
+            </a:r>
+            <a:r>
+              <a:rPr lang="en-US" dirty="0"/>
+              <a:t>(line[2])})</a:t>
+            </a:r>
+          </a:p>
+          <a:p>
+            <a:pPr marL="0" indent="0">
+              <a:buNone/>
+            </a:pPr>
+            <a:endParaRPr lang="en-US" b="1" dirty="0"/>
+          </a:p>
+          <a:p>
+            <a:pPr marL="0" indent="0">
+              <a:buNone/>
+            </a:pPr>
+            <a:r>
+              <a:rPr lang="en-US" b="1" dirty="0"/>
+              <a:t>&lt;Load large amount of data from .csv using periodic commit&gt;</a:t>
+            </a:r>
+          </a:p>
+          <a:p>
+            <a:pPr marL="0" indent="0">
+              <a:buNone/>
+            </a:pPr>
+            <a:r>
+              <a:rPr lang="en-US" dirty="0"/>
+              <a:t>USING PERIODIC COMMIT &lt;number of rows per commit&gt; </a:t>
+            </a:r>
+          </a:p>
+          <a:p>
+            <a:pPr marL="0" indent="0">
+              <a:buNone/>
+            </a:pPr>
+            <a:r>
+              <a:rPr lang="en-US" dirty="0"/>
+              <a:t>LOAD CSV FROM &lt;‘URL of the importing file’&gt; AS line </a:t>
+            </a:r>
+          </a:p>
+          <a:p>
+            <a:pPr marL="0" indent="0">
+              <a:buNone/>
+            </a:pPr>
+            <a:r>
+              <a:rPr lang="en-US" dirty="0"/>
+              <a:t>CREATE (:Artist { name: line[1], year: </a:t>
+            </a:r>
+            <a:r>
+              <a:rPr lang="en-US" dirty="0" err="1"/>
+              <a:t>toInteger</a:t>
+            </a:r>
+            <a:r>
+              <a:rPr lang="en-US" dirty="0"/>
+              <a:t>(line[2])})</a:t>
+            </a:r>
+            <a:endParaRPr lang="en-US" b="1" dirty="0"/>
+          </a:p>
+        </p:txBody>
+      </p:sp>
+    </p:spTree>
+    <p:extLst>
+      <p:ext uri="{BB962C8B-B14F-4D97-AF65-F5344CB8AC3E}">
+        <p14:creationId xmlns:p14="http://schemas.microsoft.com/office/powerpoint/2010/main" val="679263229"/>
+      </p:ext>
+    </p:extLst>
+  </p:cSld>
+  <p:clrMapOvr>
+    <a:masterClrMapping/>
+  </p:clrMapOvr>
+</p:sld>
+</file>
+
+<file path=ppt/slides/slide13.xml><?xml version="1.0" encoding="utf-8"?>
+<p:sld xmlns:a="http://schemas.openxmlformats.org/drawingml/2006/main" xmlns:r="http://schemas.openxmlformats.org/officeDocument/2006/relationships" xmlns:p="http://schemas.openxmlformats.org/presentationml/2006/main">
+  <p:cSld>
+    <p:spTree>
+      <p:nvGrpSpPr>
+        <p:cNvPr id="1" name=""/>
+        <p:cNvGrpSpPr/>
+        <p:nvPr/>
+      </p:nvGrpSpPr>
+      <p:grpSpPr>
+        <a:xfrm>
+          <a:off x="0" y="0"/>
+          <a:ext cx="0" cy="0"/>
+          <a:chOff x="0" y="0"/>
+          <a:chExt cx="0" cy="0"/>
+        </a:xfrm>
+      </p:grpSpPr>
+      <p:sp>
+        <p:nvSpPr>
+          <p:cNvPr id="2" name="Title 1">
+            <a:extLst>
+              <a:ext uri="{FF2B5EF4-FFF2-40B4-BE49-F238E27FC236}">
+                <a16:creationId xmlns:a16="http://schemas.microsoft.com/office/drawing/2014/main" id="{6E89FFC7-E94A-8148-904F-BD6E3944ED64}"/>
+              </a:ext>
+            </a:extLst>
+          </p:cNvPr>
+          <p:cNvSpPr>
+            <a:spLocks noGrp="1"/>
+          </p:cNvSpPr>
+          <p:nvPr>
+            <p:ph type="title"/>
+          </p:nvPr>
+        </p:nvSpPr>
+        <p:spPr/>
+        <p:txBody>
+          <a:bodyPr/>
+          <a:lstStyle/>
+          <a:p>
+            <a:r>
+              <a:rPr lang="en-US" dirty="0"/>
+              <a:t>Cypher DELETING </a:t>
+            </a:r>
+          </a:p>
+        </p:txBody>
+      </p:sp>
+      <p:sp>
+        <p:nvSpPr>
+          <p:cNvPr id="3" name="Content Placeholder 2">
+            <a:extLst>
+              <a:ext uri="{FF2B5EF4-FFF2-40B4-BE49-F238E27FC236}">
+                <a16:creationId xmlns:a16="http://schemas.microsoft.com/office/drawing/2014/main" id="{B8892033-D3A2-C843-BD6E-331B48EE9C4F}"/>
+              </a:ext>
+            </a:extLst>
+          </p:cNvPr>
+          <p:cNvSpPr>
+            <a:spLocks noGrp="1"/>
+          </p:cNvSpPr>
+          <p:nvPr>
+            <p:ph idx="1"/>
+          </p:nvPr>
+        </p:nvSpPr>
+        <p:spPr/>
+        <p:txBody>
+          <a:bodyPr/>
+          <a:lstStyle/>
+          <a:p>
+            <a:pPr marL="0" indent="0">
+              <a:buNone/>
+            </a:pPr>
+            <a:r>
+              <a:rPr lang="en-US" b="1" dirty="0"/>
+              <a:t>&lt;To Delete all node with its relationships&gt;</a:t>
+            </a:r>
+          </a:p>
+          <a:p>
+            <a:pPr marL="0" indent="0">
+              <a:buNone/>
+            </a:pPr>
+            <a:r>
+              <a:rPr lang="en-US" dirty="0"/>
+              <a:t>MATCH (n:&lt;</a:t>
+            </a:r>
+            <a:r>
+              <a:rPr lang="en-US" dirty="0" err="1"/>
+              <a:t>node_name</a:t>
+            </a:r>
+            <a:r>
+              <a:rPr lang="en-US" dirty="0"/>
+              <a:t>&gt;) DETACH DELETE n</a:t>
+            </a:r>
+          </a:p>
+        </p:txBody>
+      </p:sp>
+    </p:spTree>
+    <p:extLst>
+      <p:ext uri="{BB962C8B-B14F-4D97-AF65-F5344CB8AC3E}">
+        <p14:creationId xmlns:p14="http://schemas.microsoft.com/office/powerpoint/2010/main" val="2725735830"/>
+      </p:ext>
+    </p:extLst>
+  </p:cSld>
+  <p:clrMapOvr>
+    <a:masterClrMapping/>
+  </p:clrMapOvr>
+</p:sld>
+</file>
+
+<file path=ppt/slides/slide14.xml><?xml version="1.0" encoding="utf-8"?>
+<p:sld xmlns:a="http://schemas.openxmlformats.org/drawingml/2006/main" xmlns:r="http://schemas.openxmlformats.org/officeDocument/2006/relationships" xmlns:p="http://schemas.openxmlformats.org/presentationml/2006/main">
+  <p:cSld>
+    <p:spTree>
+      <p:nvGrpSpPr>
+        <p:cNvPr id="1" name=""/>
+        <p:cNvGrpSpPr/>
+        <p:nvPr/>
+      </p:nvGrpSpPr>
+      <p:grpSpPr>
+        <a:xfrm>
+          <a:off x="0" y="0"/>
+          <a:ext cx="0" cy="0"/>
+          <a:chOff x="0" y="0"/>
+          <a:chExt cx="0" cy="0"/>
+        </a:xfrm>
+      </p:grpSpPr>
+      <p:sp>
+        <p:nvSpPr>
+          <p:cNvPr id="2" name="Title 1">
+            <a:extLst>
+              <a:ext uri="{FF2B5EF4-FFF2-40B4-BE49-F238E27FC236}">
+                <a16:creationId xmlns:a16="http://schemas.microsoft.com/office/drawing/2014/main" id="{6E89FFC7-E94A-8148-904F-BD6E3944ED64}"/>
+              </a:ext>
+            </a:extLst>
+          </p:cNvPr>
+          <p:cNvSpPr>
+            <a:spLocks noGrp="1"/>
+          </p:cNvSpPr>
+          <p:nvPr>
+            <p:ph type="title"/>
+          </p:nvPr>
+        </p:nvSpPr>
+        <p:spPr/>
+        <p:txBody>
+          <a:bodyPr/>
+          <a:lstStyle/>
+          <a:p>
+            <a:endParaRPr lang="en-US"/>
+          </a:p>
+        </p:txBody>
+      </p:sp>
+      <p:sp>
+        <p:nvSpPr>
+          <p:cNvPr id="3" name="Content Placeholder 2">
+            <a:extLst>
+              <a:ext uri="{FF2B5EF4-FFF2-40B4-BE49-F238E27FC236}">
+                <a16:creationId xmlns:a16="http://schemas.microsoft.com/office/drawing/2014/main" id="{B8892033-D3A2-C843-BD6E-331B48EE9C4F}"/>
+              </a:ext>
+            </a:extLst>
+          </p:cNvPr>
+          <p:cNvSpPr>
+            <a:spLocks noGrp="1"/>
+          </p:cNvSpPr>
+          <p:nvPr>
+            <p:ph idx="1"/>
+          </p:nvPr>
+        </p:nvSpPr>
+        <p:spPr/>
+        <p:txBody>
+          <a:bodyPr/>
+          <a:lstStyle/>
+          <a:p>
+            <a:endParaRPr lang="en-US"/>
+          </a:p>
+        </p:txBody>
+      </p:sp>
+    </p:spTree>
+    <p:extLst>
+      <p:ext uri="{BB962C8B-B14F-4D97-AF65-F5344CB8AC3E}">
+        <p14:creationId xmlns:p14="http://schemas.microsoft.com/office/powerpoint/2010/main" val="1114836674"/>
+      </p:ext>
+    </p:extLst>
+  </p:cSld>
+  <p:clrMapOvr>
+    <a:masterClrMapping/>
+  </p:clrMapOvr>
+</p:sld>
+</file>
+
+<file path=ppt/slides/slide15.xml><?xml version="1.0" encoding="utf-8"?>
+<p:sld xmlns:a="http://schemas.openxmlformats.org/drawingml/2006/main" xmlns:r="http://schemas.openxmlformats.org/officeDocument/2006/relationships" xmlns:p="http://schemas.openxmlformats.org/presentationml/2006/main">
+  <p:cSld>
+    <p:spTree>
+      <p:nvGrpSpPr>
+        <p:cNvPr id="1" name=""/>
+        <p:cNvGrpSpPr/>
+        <p:nvPr/>
+      </p:nvGrpSpPr>
+      <p:grpSpPr>
+        <a:xfrm>
+          <a:off x="0" y="0"/>
+          <a:ext cx="0" cy="0"/>
+          <a:chOff x="0" y="0"/>
+          <a:chExt cx="0" cy="0"/>
+        </a:xfrm>
+      </p:grpSpPr>
+      <p:sp>
+        <p:nvSpPr>
+          <p:cNvPr id="2" name="Title 1">
+            <a:extLst>
+              <a:ext uri="{FF2B5EF4-FFF2-40B4-BE49-F238E27FC236}">
+                <a16:creationId xmlns:a16="http://schemas.microsoft.com/office/drawing/2014/main" id="{6E89FFC7-E94A-8148-904F-BD6E3944ED64}"/>
+              </a:ext>
+            </a:extLst>
+          </p:cNvPr>
+          <p:cNvSpPr>
+            <a:spLocks noGrp="1"/>
+          </p:cNvSpPr>
+          <p:nvPr>
+            <p:ph type="title"/>
+          </p:nvPr>
+        </p:nvSpPr>
+        <p:spPr/>
+        <p:txBody>
+          <a:bodyPr/>
+          <a:lstStyle/>
+          <a:p>
+            <a:endParaRPr lang="en-US"/>
+          </a:p>
+        </p:txBody>
+      </p:sp>
+      <p:sp>
+        <p:nvSpPr>
+          <p:cNvPr id="3" name="Content Placeholder 2">
+            <a:extLst>
+              <a:ext uri="{FF2B5EF4-FFF2-40B4-BE49-F238E27FC236}">
+                <a16:creationId xmlns:a16="http://schemas.microsoft.com/office/drawing/2014/main" id="{B8892033-D3A2-C843-BD6E-331B48EE9C4F}"/>
+              </a:ext>
+            </a:extLst>
+          </p:cNvPr>
+          <p:cNvSpPr>
+            <a:spLocks noGrp="1"/>
+          </p:cNvSpPr>
+          <p:nvPr>
+            <p:ph idx="1"/>
+          </p:nvPr>
+        </p:nvSpPr>
+        <p:spPr/>
+        <p:txBody>
+          <a:bodyPr/>
+          <a:lstStyle/>
+          <a:p>
+            <a:endParaRPr lang="en-US"/>
+          </a:p>
+        </p:txBody>
+      </p:sp>
+    </p:spTree>
+    <p:extLst>
+      <p:ext uri="{BB962C8B-B14F-4D97-AF65-F5344CB8AC3E}">
+        <p14:creationId xmlns:p14="http://schemas.microsoft.com/office/powerpoint/2010/main" val="3090735460"/>
+      </p:ext>
+    </p:extLst>
+  </p:cSld>
+  <p:clrMapOvr>
+    <a:masterClrMapping/>
+  </p:clrMapOvr>
+</p:sld>
+</file>
+
+<file path=ppt/slides/slide16.xml><?xml version="1.0" encoding="utf-8"?>
+<p:sld xmlns:a="http://schemas.openxmlformats.org/drawingml/2006/main" xmlns:r="http://schemas.openxmlformats.org/officeDocument/2006/relationships" xmlns:p="http://schemas.openxmlformats.org/presentationml/2006/main">
+  <p:cSld>
+    <p:spTree>
+      <p:nvGrpSpPr>
+        <p:cNvPr id="1" name=""/>
+        <p:cNvGrpSpPr/>
+        <p:nvPr/>
+      </p:nvGrpSpPr>
+      <p:grpSpPr>
+        <a:xfrm>
+          <a:off x="0" y="0"/>
+          <a:ext cx="0" cy="0"/>
+          <a:chOff x="0" y="0"/>
+          <a:chExt cx="0" cy="0"/>
+        </a:xfrm>
+      </p:grpSpPr>
+      <p:sp>
+        <p:nvSpPr>
+          <p:cNvPr id="2" name="Title 1">
+            <a:extLst>
+              <a:ext uri="{FF2B5EF4-FFF2-40B4-BE49-F238E27FC236}">
+                <a16:creationId xmlns:a16="http://schemas.microsoft.com/office/drawing/2014/main" id="{6E89FFC7-E94A-8148-904F-BD6E3944ED64}"/>
+              </a:ext>
+            </a:extLst>
+          </p:cNvPr>
+          <p:cNvSpPr>
+            <a:spLocks noGrp="1"/>
+          </p:cNvSpPr>
+          <p:nvPr>
+            <p:ph type="title"/>
+          </p:nvPr>
+        </p:nvSpPr>
+        <p:spPr/>
+        <p:txBody>
+          <a:bodyPr/>
+          <a:lstStyle/>
+          <a:p>
+            <a:endParaRPr lang="en-US"/>
+          </a:p>
+        </p:txBody>
+      </p:sp>
+      <p:sp>
+        <p:nvSpPr>
+          <p:cNvPr id="3" name="Content Placeholder 2">
+            <a:extLst>
+              <a:ext uri="{FF2B5EF4-FFF2-40B4-BE49-F238E27FC236}">
+                <a16:creationId xmlns:a16="http://schemas.microsoft.com/office/drawing/2014/main" id="{B8892033-D3A2-C843-BD6E-331B48EE9C4F}"/>
+              </a:ext>
+            </a:extLst>
+          </p:cNvPr>
+          <p:cNvSpPr>
+            <a:spLocks noGrp="1"/>
+          </p:cNvSpPr>
+          <p:nvPr>
+            <p:ph idx="1"/>
+          </p:nvPr>
+        </p:nvSpPr>
+        <p:spPr/>
+        <p:txBody>
+          <a:bodyPr/>
+          <a:lstStyle/>
+          <a:p>
+            <a:endParaRPr lang="en-US"/>
+          </a:p>
+        </p:txBody>
+      </p:sp>
+    </p:spTree>
+    <p:extLst>
+      <p:ext uri="{BB962C8B-B14F-4D97-AF65-F5344CB8AC3E}">
+        <p14:creationId xmlns:p14="http://schemas.microsoft.com/office/powerpoint/2010/main" val="2286341301"/>
+      </p:ext>
+    </p:extLst>
+  </p:cSld>
+  <p:clrMapOvr>
+    <a:masterClrMapping/>
+  </p:clrMapOvr>
+</p:sld>
+</file>
+
 <file path=ppt/slides/slide2.xml><?xml version="1.0" encoding="utf-8"?>
 <p:sld xmlns:a="http://schemas.openxmlformats.org/drawingml/2006/main" xmlns:r="http://schemas.openxmlformats.org/officeDocument/2006/relationships" xmlns:p="http://schemas.openxmlformats.org/presentationml/2006/main">
   <p:cSld>
@@ -4393,7 +5389,10 @@
           <a:bodyPr/>
           <a:lstStyle/>
           <a:p>
-            <a:endParaRPr lang="en-US"/>
+            <a:r>
+              <a:rPr lang="en-US" dirty="0"/>
+              <a:t>Cypher Creating new relationship</a:t>
+            </a:r>
           </a:p>
         </p:txBody>
       </p:sp>
@@ -4415,10 +5414,104 @@
         </p:nvSpPr>
         <p:spPr/>
         <p:txBody>
-          <a:bodyPr/>
-          <a:lstStyle/>
-          <a:p>
-            <a:endParaRPr lang="en-US"/>
+          <a:bodyPr>
+            <a:normAutofit/>
+          </a:bodyPr>
+          <a:lstStyle/>
+          <a:p>
+            <a:pPr marL="0" indent="0">
+              <a:buNone/>
+            </a:pPr>
+            <a:r>
+              <a:rPr lang="en-US" b="1" dirty="0"/>
+              <a:t>&lt;Creating new relationship between existing nodes&gt;</a:t>
+            </a:r>
+          </a:p>
+          <a:p>
+            <a:pPr marL="0" indent="0">
+              <a:buNone/>
+            </a:pPr>
+            <a:r>
+              <a:rPr lang="en-US" dirty="0"/>
+              <a:t>	CREATE (n)-[</a:t>
+            </a:r>
+            <a:r>
+              <a:rPr lang="en-US" dirty="0" err="1"/>
+              <a:t>r:KNOWS</a:t>
+            </a:r>
+            <a:r>
+              <a:rPr lang="en-US" dirty="0"/>
+              <a:t>]-&gt;(m)</a:t>
+            </a:r>
+          </a:p>
+          <a:p>
+            <a:pPr marL="0" indent="0">
+              <a:buNone/>
+            </a:pPr>
+            <a:r>
+              <a:rPr lang="en-US" dirty="0"/>
+              <a:t>         - Create a relationship with the given type and direction; bind a 	variable to it</a:t>
+            </a:r>
+          </a:p>
+          <a:p>
+            <a:pPr marL="0" indent="0">
+              <a:buNone/>
+            </a:pPr>
+            <a:endParaRPr lang="en-US" dirty="0"/>
+          </a:p>
+          <a:p>
+            <a:pPr marL="0" indent="0">
+              <a:buNone/>
+            </a:pPr>
+            <a:r>
+              <a:rPr lang="en-US" dirty="0"/>
+              <a:t>	MATCH (</a:t>
+            </a:r>
+            <a:r>
+              <a:rPr lang="en-US" dirty="0" err="1"/>
+              <a:t>a:Person</a:t>
+            </a:r>
+            <a:r>
+              <a:rPr lang="en-US" dirty="0"/>
+              <a:t> {name: $value1}), (</a:t>
+            </a:r>
+            <a:r>
+              <a:rPr lang="en-US" dirty="0" err="1"/>
+              <a:t>b:Person</a:t>
+            </a:r>
+            <a:r>
+              <a:rPr lang="en-US" dirty="0"/>
+              <a:t> {name: $value2}) </a:t>
+            </a:r>
+          </a:p>
+          <a:p>
+            <a:pPr marL="0" indent="0">
+              <a:buNone/>
+            </a:pPr>
+            <a:r>
+              <a:rPr lang="en-US" dirty="0"/>
+              <a:t>	MERGE (a)-[</a:t>
+            </a:r>
+            <a:r>
+              <a:rPr lang="en-US" dirty="0" err="1"/>
+              <a:t>r:LOVES</a:t>
+            </a:r>
+            <a:r>
+              <a:rPr lang="en-US" dirty="0"/>
+              <a:t>]-&gt;(b)</a:t>
+            </a:r>
+          </a:p>
+          <a:p>
+            <a:pPr marL="0" indent="0">
+              <a:buNone/>
+            </a:pPr>
+            <a:r>
+              <a:rPr lang="en-US" dirty="0"/>
+              <a:t>         - MERGE finds or creates a relationship between the nodes.</a:t>
+            </a:r>
+          </a:p>
+          <a:p>
+            <a:endParaRPr lang="en-US" dirty="0"/>
           </a:p>
         </p:txBody>
       </p:sp>
@@ -4473,7 +5566,10 @@
           <a:bodyPr/>
           <a:lstStyle/>
           <a:p>
-            <a:endParaRPr lang="en-US"/>
+            <a:r>
+              <a:rPr lang="en-US" dirty="0"/>
+              <a:t>Cypher List</a:t>
+            </a:r>
           </a:p>
         </p:txBody>
       </p:sp>
@@ -4498,7 +5594,50 @@
           <a:bodyPr/>
           <a:lstStyle/>
           <a:p>
-            <a:endParaRPr lang="en-US"/>
+            <a:pPr marL="0" indent="0">
+              <a:buNone/>
+            </a:pPr>
+            <a:r>
+              <a:rPr lang="en-US" dirty="0"/>
+              <a:t>MATCH (</a:t>
+            </a:r>
+            <a:r>
+              <a:rPr lang="en-US" dirty="0" err="1"/>
+              <a:t>a:Actor</a:t>
+            </a:r>
+            <a:r>
+              <a:rPr lang="en-US" dirty="0"/>
+              <a:t> { name: 'Charlie Sheen' })-[:ACTED_IN]-&gt;(</a:t>
+            </a:r>
+            <a:r>
+              <a:rPr lang="en-US" dirty="0" err="1"/>
+              <a:t>m:Movie</a:t>
+            </a:r>
+            <a:r>
+              <a:rPr lang="en-US" dirty="0"/>
+              <a:t>)</a:t>
+            </a:r>
+          </a:p>
+          <a:p>
+            <a:pPr marL="0" indent="0">
+              <a:buNone/>
+            </a:pPr>
+            <a:r>
+              <a:rPr lang="en-US" dirty="0"/>
+              <a:t>RETURN a { .name, movies: collect(m { .title, .year })}</a:t>
+            </a:r>
+          </a:p>
+          <a:p>
+            <a:pPr marL="0" indent="0">
+              <a:buNone/>
+            </a:pPr>
+            <a:endParaRPr lang="en-US" dirty="0"/>
+          </a:p>
+          <a:p>
+            <a:pPr marL="0" indent="0">
+              <a:buNone/>
+            </a:pPr>
+            <a:endParaRPr lang="en-US" dirty="0"/>
           </a:p>
         </p:txBody>
       </p:sp>
